--- a/Django Part VI.pptx
+++ b/Django Part VI.pptx
@@ -273,7 +273,7 @@
           <a:p>
             <a:fld id="{BB255762-94A8-457B-8806-E419E0310715}" type="datetimeFigureOut">
               <a:rPr lang="en-US" smtClean="0"/>
-              <a:t>5/2/2020</a:t>
+              <a:t>11/30/2020</a:t>
             </a:fld>
             <a:endParaRPr lang="en-US"/>
           </a:p>
@@ -471,7 +471,7 @@
           <a:p>
             <a:fld id="{BB255762-94A8-457B-8806-E419E0310715}" type="datetimeFigureOut">
               <a:rPr lang="en-US" smtClean="0"/>
-              <a:t>5/2/2020</a:t>
+              <a:t>11/30/2020</a:t>
             </a:fld>
             <a:endParaRPr lang="en-US"/>
           </a:p>
@@ -679,7 +679,7 @@
           <a:p>
             <a:fld id="{BB255762-94A8-457B-8806-E419E0310715}" type="datetimeFigureOut">
               <a:rPr lang="en-US" smtClean="0"/>
-              <a:t>5/2/2020</a:t>
+              <a:t>11/30/2020</a:t>
             </a:fld>
             <a:endParaRPr lang="en-US"/>
           </a:p>
@@ -877,7 +877,7 @@
           <a:p>
             <a:fld id="{BB255762-94A8-457B-8806-E419E0310715}" type="datetimeFigureOut">
               <a:rPr lang="en-US" smtClean="0"/>
-              <a:t>5/2/2020</a:t>
+              <a:t>11/30/2020</a:t>
             </a:fld>
             <a:endParaRPr lang="en-US"/>
           </a:p>
@@ -1152,7 +1152,7 @@
           <a:p>
             <a:fld id="{BB255762-94A8-457B-8806-E419E0310715}" type="datetimeFigureOut">
               <a:rPr lang="en-US" smtClean="0"/>
-              <a:t>5/2/2020</a:t>
+              <a:t>11/30/2020</a:t>
             </a:fld>
             <a:endParaRPr lang="en-US"/>
           </a:p>
@@ -1417,7 +1417,7 @@
           <a:p>
             <a:fld id="{BB255762-94A8-457B-8806-E419E0310715}" type="datetimeFigureOut">
               <a:rPr lang="en-US" smtClean="0"/>
-              <a:t>5/2/2020</a:t>
+              <a:t>11/30/2020</a:t>
             </a:fld>
             <a:endParaRPr lang="en-US"/>
           </a:p>
@@ -1829,7 +1829,7 @@
           <a:p>
             <a:fld id="{BB255762-94A8-457B-8806-E419E0310715}" type="datetimeFigureOut">
               <a:rPr lang="en-US" smtClean="0"/>
-              <a:t>5/2/2020</a:t>
+              <a:t>11/30/2020</a:t>
             </a:fld>
             <a:endParaRPr lang="en-US"/>
           </a:p>
@@ -1970,7 +1970,7 @@
           <a:p>
             <a:fld id="{BB255762-94A8-457B-8806-E419E0310715}" type="datetimeFigureOut">
               <a:rPr lang="en-US" smtClean="0"/>
-              <a:t>5/2/2020</a:t>
+              <a:t>11/30/2020</a:t>
             </a:fld>
             <a:endParaRPr lang="en-US"/>
           </a:p>
@@ -2083,7 +2083,7 @@
           <a:p>
             <a:fld id="{BB255762-94A8-457B-8806-E419E0310715}" type="datetimeFigureOut">
               <a:rPr lang="en-US" smtClean="0"/>
-              <a:t>5/2/2020</a:t>
+              <a:t>11/30/2020</a:t>
             </a:fld>
             <a:endParaRPr lang="en-US"/>
           </a:p>
@@ -2394,7 +2394,7 @@
           <a:p>
             <a:fld id="{BB255762-94A8-457B-8806-E419E0310715}" type="datetimeFigureOut">
               <a:rPr lang="en-US" smtClean="0"/>
-              <a:t>5/2/2020</a:t>
+              <a:t>11/30/2020</a:t>
             </a:fld>
             <a:endParaRPr lang="en-US"/>
           </a:p>
@@ -2682,7 +2682,7 @@
           <a:p>
             <a:fld id="{BB255762-94A8-457B-8806-E419E0310715}" type="datetimeFigureOut">
               <a:rPr lang="en-US" smtClean="0"/>
-              <a:t>5/2/2020</a:t>
+              <a:t>11/30/2020</a:t>
             </a:fld>
             <a:endParaRPr lang="en-US"/>
           </a:p>
@@ -2923,7 +2923,7 @@
           <a:p>
             <a:fld id="{BB255762-94A8-457B-8806-E419E0310715}" type="datetimeFigureOut">
               <a:rPr lang="en-US" smtClean="0"/>
-              <a:t>5/2/2020</a:t>
+              <a:t>11/30/2020</a:t>
             </a:fld>
             <a:endParaRPr lang="en-US"/>
           </a:p>
